--- a/slides/chap5-mln.pptx
+++ b/slides/chap5-mln.pptx
@@ -4093,8 +4093,8 @@
         </p:nvSpPr>
         <p:spPr bwMode="auto">
           <a:xfrm>
-            <a:off x="2052638" y="6035675"/>
-            <a:ext cx="4879975" cy="641350"/>
+            <a:off x="513663" y="6035675"/>
+            <a:ext cx="8403261" cy="584776"/>
           </a:xfrm>
           <a:prstGeom prst="rect">
             <a:avLst/>
@@ -4118,18 +4118,31 @@
           </a:bodyPr>
           <a:lstStyle/>
           <a:p>
-            <a:pPr eaLnBrk="0" hangingPunct="0"/>
-            <a:r>
-              <a:rPr lang="en-US" sz="1800"/>
+            <a:pPr algn="ctr" eaLnBrk="0" hangingPunct="0"/>
+            <a:r>
+              <a:rPr lang="en-US" sz="1600" dirty="0"/>
               <a:t>a better example would include where both </a:t>
             </a:r>
-          </a:p>
-          <a:p>
-            <a:pPr eaLnBrk="0" hangingPunct="0"/>
-            <a:r>
-              <a:rPr lang="en-US" sz="1800"/>
-              <a:t>"tropical" and "fish" occur, but are not adjacent</a:t>
-            </a:r>
+            <a:r>
+              <a:rPr lang="en-US" sz="1600" dirty="0" smtClean="0"/>
+              <a:t>"</a:t>
+            </a:r>
+            <a:r>
+              <a:rPr lang="en-US" sz="1600" dirty="0"/>
+              <a:t>tropical" and "fish" occur, but are not </a:t>
+            </a:r>
+            <a:r>
+              <a:rPr lang="en-US" sz="1600" dirty="0" smtClean="0"/>
+              <a:t>adjacent: </a:t>
+            </a:r>
+          </a:p>
+          <a:p>
+            <a:pPr algn="ctr" eaLnBrk="0" hangingPunct="0"/>
+            <a:r>
+              <a:rPr lang="en-US" sz="1600" dirty="0" smtClean="0"/>
+              <a:t>“Tropical Storm Bert damaged Bob’s Fish House restaurant”</a:t>
+            </a:r>
+            <a:endParaRPr lang="en-US" sz="1600" dirty="0"/>
           </a:p>
         </p:txBody>
       </p:sp>

--- a/slides/chap5-mln.pptx
+++ b/slides/chap5-mln.pptx
@@ -6584,21 +6584,29 @@
           <a:p>
             <a:pPr eaLnBrk="1" hangingPunct="1"/>
             <a:r>
-              <a:rPr lang="en-US" smtClean="0"/>
+              <a:rPr lang="en-US" dirty="0" smtClean="0"/>
               <a:t>Unary is very efficient for small numbers such as 0 and 1, but quickly becomes very expensive</a:t>
             </a:r>
           </a:p>
           <a:p>
             <a:pPr lvl="1" eaLnBrk="1" hangingPunct="1"/>
             <a:r>
-              <a:rPr lang="en-US" smtClean="0"/>
-              <a:t>1023 can be represented in 10 binary bits, but requires 1024 bits in unary</a:t>
+              <a:rPr lang="en-US" dirty="0" smtClean="0"/>
+              <a:t>1023 can be represented in 10 binary </a:t>
+            </a:r>
+            <a:r>
+              <a:rPr lang="en-US" dirty="0" smtClean="0"/>
+              <a:t>bits, </a:t>
+            </a:r>
+            <a:r>
+              <a:rPr lang="en-US" dirty="0" smtClean="0"/>
+              <a:t>but requires 1024 bits in unary</a:t>
             </a:r>
           </a:p>
           <a:p>
             <a:pPr eaLnBrk="1" hangingPunct="1"/>
             <a:r>
-              <a:rPr lang="en-US" smtClean="0"/>
+              <a:rPr lang="en-US" dirty="0" smtClean="0"/>
               <a:t>Binary is more efficient for large numbers, but it may be ambiguous</a:t>
             </a:r>
           </a:p>
@@ -16546,7 +16554,34 @@
                 </a:solidFill>
                 <a:ea typeface="+mn-ea"/>
               </a:rPr>
-              <a:t>delta,echo,foxtro</a:t>
+              <a:t>delta,echo,foxtrot,</a:t>
+            </a:r>
+            <a:r>
+              <a:rPr lang="en-US" sz="1300" err="1" smtClean="0">
+                <a:solidFill>
+                  <a:srgbClr val="FF0000"/>
+                </a:solidFill>
+                <a:ea typeface="+mn-ea"/>
+              </a:rPr>
+              <a:t>golf</a:t>
+            </a:r>
+            <a:r>
+              <a:rPr lang="en-US" sz="1300" smtClean="0">
+                <a:solidFill>
+                  <a:srgbClr val="FF0000"/>
+                </a:solidFill>
+                <a:ea typeface="+mn-ea"/>
+              </a:rPr>
+              <a:t>,hotel</a:t>
+            </a:r>
+            <a:r>
+              <a:rPr lang="en-US" sz="1300" smtClean="0">
+                <a:solidFill>
+                  <a:srgbClr val="FF0000"/>
+                </a:solidFill>
+                <a:ea typeface="+mn-ea"/>
+              </a:rPr>
+              <a:t>}</a:t>
             </a:r>
             <a:r>
               <a:rPr lang="en-US" sz="1300" dirty="0" smtClean="0">
@@ -16555,7 +16590,7 @@
                 </a:solidFill>
                 <a:ea typeface="+mn-ea"/>
               </a:rPr>
-              <a:t>},…)</a:t>
+              <a:t>,…)</a:t>
             </a:r>
             <a:endParaRPr lang="en-US" sz="1300" dirty="0" smtClean="0">
               <a:solidFill>

--- a/slides/chap5-mln.pptx
+++ b/slides/chap5-mln.pptx
@@ -16554,34 +16554,7 @@
                 </a:solidFill>
                 <a:ea typeface="+mn-ea"/>
               </a:rPr>
-              <a:t>delta,echo,foxtrot,</a:t>
-            </a:r>
-            <a:r>
-              <a:rPr lang="en-US" sz="1300" err="1" smtClean="0">
-                <a:solidFill>
-                  <a:srgbClr val="FF0000"/>
-                </a:solidFill>
-                <a:ea typeface="+mn-ea"/>
-              </a:rPr>
-              <a:t>golf</a:t>
-            </a:r>
-            <a:r>
-              <a:rPr lang="en-US" sz="1300" smtClean="0">
-                <a:solidFill>
-                  <a:srgbClr val="FF0000"/>
-                </a:solidFill>
-                <a:ea typeface="+mn-ea"/>
-              </a:rPr>
-              <a:t>,hotel</a:t>
-            </a:r>
-            <a:r>
-              <a:rPr lang="en-US" sz="1300" smtClean="0">
-                <a:solidFill>
-                  <a:srgbClr val="FF0000"/>
-                </a:solidFill>
-                <a:ea typeface="+mn-ea"/>
-              </a:rPr>
-              <a:t>}</a:t>
+              <a:t>delta,echo,foxtrot,golf,hotel</a:t>
             </a:r>
             <a:r>
               <a:rPr lang="en-US" sz="1300" dirty="0" smtClean="0">
@@ -16590,7 +16563,7 @@
                 </a:solidFill>
                 <a:ea typeface="+mn-ea"/>
               </a:rPr>
-              <a:t>,…)</a:t>
+              <a:t>},…)</a:t>
             </a:r>
             <a:endParaRPr lang="en-US" sz="1300" dirty="0" smtClean="0">
               <a:solidFill>
